--- a/week 4 assignment-graphs.pptx
+++ b/week 4 assignment-graphs.pptx
@@ -266,7 +266,7 @@
           <a:p>
             <a:fld id="{58A21276-7BE9-4B6C-8EB7-CA1E4154ED98}" type="datetimeFigureOut">
               <a:rPr lang="zh-CN" altLang="en-US" smtClean="0"/>
-              <a:t>2021/7/12</a:t>
+              <a:t>2021/7/14</a:t>
             </a:fld>
             <a:endParaRPr lang="zh-CN" altLang="en-US"/>
           </a:p>
@@ -464,7 +464,7 @@
           <a:p>
             <a:fld id="{58A21276-7BE9-4B6C-8EB7-CA1E4154ED98}" type="datetimeFigureOut">
               <a:rPr lang="zh-CN" altLang="en-US" smtClean="0"/>
-              <a:t>2021/7/12</a:t>
+              <a:t>2021/7/14</a:t>
             </a:fld>
             <a:endParaRPr lang="zh-CN" altLang="en-US"/>
           </a:p>
@@ -672,7 +672,7 @@
           <a:p>
             <a:fld id="{58A21276-7BE9-4B6C-8EB7-CA1E4154ED98}" type="datetimeFigureOut">
               <a:rPr lang="zh-CN" altLang="en-US" smtClean="0"/>
-              <a:t>2021/7/12</a:t>
+              <a:t>2021/7/14</a:t>
             </a:fld>
             <a:endParaRPr lang="zh-CN" altLang="en-US"/>
           </a:p>
@@ -870,7 +870,7 @@
           <a:p>
             <a:fld id="{58A21276-7BE9-4B6C-8EB7-CA1E4154ED98}" type="datetimeFigureOut">
               <a:rPr lang="zh-CN" altLang="en-US" smtClean="0"/>
-              <a:t>2021/7/12</a:t>
+              <a:t>2021/7/14</a:t>
             </a:fld>
             <a:endParaRPr lang="zh-CN" altLang="en-US"/>
           </a:p>
@@ -1145,7 +1145,7 @@
           <a:p>
             <a:fld id="{58A21276-7BE9-4B6C-8EB7-CA1E4154ED98}" type="datetimeFigureOut">
               <a:rPr lang="zh-CN" altLang="en-US" smtClean="0"/>
-              <a:t>2021/7/12</a:t>
+              <a:t>2021/7/14</a:t>
             </a:fld>
             <a:endParaRPr lang="zh-CN" altLang="en-US"/>
           </a:p>
@@ -1410,7 +1410,7 @@
           <a:p>
             <a:fld id="{58A21276-7BE9-4B6C-8EB7-CA1E4154ED98}" type="datetimeFigureOut">
               <a:rPr lang="zh-CN" altLang="en-US" smtClean="0"/>
-              <a:t>2021/7/12</a:t>
+              <a:t>2021/7/14</a:t>
             </a:fld>
             <a:endParaRPr lang="zh-CN" altLang="en-US"/>
           </a:p>
@@ -1822,7 +1822,7 @@
           <a:p>
             <a:fld id="{58A21276-7BE9-4B6C-8EB7-CA1E4154ED98}" type="datetimeFigureOut">
               <a:rPr lang="zh-CN" altLang="en-US" smtClean="0"/>
-              <a:t>2021/7/12</a:t>
+              <a:t>2021/7/14</a:t>
             </a:fld>
             <a:endParaRPr lang="zh-CN" altLang="en-US"/>
           </a:p>
@@ -1963,7 +1963,7 @@
           <a:p>
             <a:fld id="{58A21276-7BE9-4B6C-8EB7-CA1E4154ED98}" type="datetimeFigureOut">
               <a:rPr lang="zh-CN" altLang="en-US" smtClean="0"/>
-              <a:t>2021/7/12</a:t>
+              <a:t>2021/7/14</a:t>
             </a:fld>
             <a:endParaRPr lang="zh-CN" altLang="en-US"/>
           </a:p>
@@ -2076,7 +2076,7 @@
           <a:p>
             <a:fld id="{58A21276-7BE9-4B6C-8EB7-CA1E4154ED98}" type="datetimeFigureOut">
               <a:rPr lang="zh-CN" altLang="en-US" smtClean="0"/>
-              <a:t>2021/7/12</a:t>
+              <a:t>2021/7/14</a:t>
             </a:fld>
             <a:endParaRPr lang="zh-CN" altLang="en-US"/>
           </a:p>
@@ -2387,7 +2387,7 @@
           <a:p>
             <a:fld id="{58A21276-7BE9-4B6C-8EB7-CA1E4154ED98}" type="datetimeFigureOut">
               <a:rPr lang="zh-CN" altLang="en-US" smtClean="0"/>
-              <a:t>2021/7/12</a:t>
+              <a:t>2021/7/14</a:t>
             </a:fld>
             <a:endParaRPr lang="zh-CN" altLang="en-US"/>
           </a:p>
@@ -2675,7 +2675,7 @@
           <a:p>
             <a:fld id="{58A21276-7BE9-4B6C-8EB7-CA1E4154ED98}" type="datetimeFigureOut">
               <a:rPr lang="zh-CN" altLang="en-US" smtClean="0"/>
-              <a:t>2021/7/12</a:t>
+              <a:t>2021/7/14</a:t>
             </a:fld>
             <a:endParaRPr lang="zh-CN" altLang="en-US"/>
           </a:p>
@@ -2916,7 +2916,7 @@
           <a:p>
             <a:fld id="{58A21276-7BE9-4B6C-8EB7-CA1E4154ED98}" type="datetimeFigureOut">
               <a:rPr lang="zh-CN" altLang="en-US" smtClean="0"/>
-              <a:t>2021/7/12</a:t>
+              <a:t>2021/7/14</a:t>
             </a:fld>
             <a:endParaRPr lang="zh-CN" altLang="en-US"/>
           </a:p>
@@ -3925,10 +3925,10 @@
       </p:grpSpPr>
       <p:pic>
         <p:nvPicPr>
-          <p:cNvPr id="3" name="图片 2">
-            <a:extLst>
-              <a:ext uri="{FF2B5EF4-FFF2-40B4-BE49-F238E27FC236}">
-                <a16:creationId xmlns:a16="http://schemas.microsoft.com/office/drawing/2014/main" id="{31115278-8EAD-4FC6-B716-6C3115960F28}"/>
+          <p:cNvPr id="4" name="图片 3">
+            <a:extLst>
+              <a:ext uri="{FF2B5EF4-FFF2-40B4-BE49-F238E27FC236}">
+                <a16:creationId xmlns:a16="http://schemas.microsoft.com/office/drawing/2014/main" id="{9282A8DB-9155-4CF7-ADAE-428E573D6B50}"/>
               </a:ext>
             </a:extLst>
           </p:cNvPr>
@@ -3945,8 +3945,8 @@
         </p:blipFill>
         <p:spPr>
           <a:xfrm>
-            <a:off x="1939637" y="1658112"/>
-            <a:ext cx="8091054" cy="4698962"/>
+            <a:off x="1972458" y="1194677"/>
+            <a:ext cx="8247084" cy="4708477"/>
           </a:xfrm>
           <a:prstGeom prst="rect">
             <a:avLst/>
